--- a/assets/KBS - project presentation.pptx
+++ b/assets/KBS - project presentation.pptx
@@ -34888,7 +34888,7 @@
               <a:buNone/>
             </a:pPr>
             <a:r>
-              <a:rPr lang="en-US" sz="1900">
+              <a:rPr lang="en-US" sz="1900" dirty="0">
                 <a:solidFill>
                   <a:schemeClr val="lt1"/>
                 </a:solidFill>
@@ -34900,9 +34900,24 @@
                 <a:cs typeface="El Messiri"/>
                 <a:sym typeface="El Messiri"/>
               </a:rPr>
-              <a:t>9 أمراض</a:t>
+              <a:t>9 </a:t>
             </a:r>
-            <a:endParaRPr sz="1900">
+            <a:r>
+              <a:rPr lang="en-US" sz="1900" dirty="0" err="1">
+                <a:solidFill>
+                  <a:schemeClr val="lt1"/>
+                </a:solidFill>
+                <a:highlight>
+                  <a:schemeClr val="accent2"/>
+                </a:highlight>
+                <a:latin typeface="El Messiri"/>
+                <a:ea typeface="El Messiri"/>
+                <a:cs typeface="El Messiri"/>
+                <a:sym typeface="El Messiri"/>
+              </a:rPr>
+              <a:t>أمراض</a:t>
+            </a:r>
+            <a:endParaRPr sz="1900" dirty="0">
               <a:solidFill>
                 <a:schemeClr val="lt1"/>
               </a:solidFill>
@@ -34929,7 +34944,7 @@
               <a:buNone/>
             </a:pPr>
             <a:r>
-              <a:rPr lang="en-US" sz="1900">
+              <a:rPr lang="en-US" sz="1900" dirty="0">
                 <a:solidFill>
                   <a:schemeClr val="lt1"/>
                 </a:solidFill>
@@ -34941,9 +34956,24 @@
                 <a:cs typeface="El Messiri"/>
                 <a:sym typeface="El Messiri"/>
               </a:rPr>
-              <a:t>30 أعراض</a:t>
+              <a:t>30 </a:t>
             </a:r>
-            <a:endParaRPr sz="1900">
+            <a:r>
+              <a:rPr lang="en-US" sz="1900" dirty="0" err="1">
+                <a:solidFill>
+                  <a:schemeClr val="lt1"/>
+                </a:solidFill>
+                <a:highlight>
+                  <a:schemeClr val="accent2"/>
+                </a:highlight>
+                <a:latin typeface="El Messiri"/>
+                <a:ea typeface="El Messiri"/>
+                <a:cs typeface="El Messiri"/>
+                <a:sym typeface="El Messiri"/>
+              </a:rPr>
+              <a:t>أعراض</a:t>
+            </a:r>
+            <a:endParaRPr sz="1900" dirty="0">
               <a:solidFill>
                 <a:schemeClr val="lt1"/>
               </a:solidFill>
@@ -37939,7 +37969,7 @@
                 <a:buNone/>
               </a:pPr>
               <a:r>
-                <a:rPr lang="en-US" sz="1900">
+                <a:rPr lang="en-US" sz="1900" dirty="0">
                   <a:solidFill>
                     <a:schemeClr val="lt1"/>
                   </a:solidFill>
@@ -37951,9 +37981,24 @@
                   <a:cs typeface="El Messiri"/>
                   <a:sym typeface="El Messiri"/>
                 </a:rPr>
-                <a:t>11 أمراض</a:t>
+                <a:t>11 </a:t>
               </a:r>
-              <a:endParaRPr sz="1900">
+              <a:r>
+                <a:rPr lang="en-US" sz="1900" dirty="0" err="1">
+                  <a:solidFill>
+                    <a:schemeClr val="lt1"/>
+                  </a:solidFill>
+                  <a:highlight>
+                    <a:schemeClr val="accent2"/>
+                  </a:highlight>
+                  <a:latin typeface="El Messiri"/>
+                  <a:ea typeface="El Messiri"/>
+                  <a:cs typeface="El Messiri"/>
+                  <a:sym typeface="El Messiri"/>
+                </a:rPr>
+                <a:t>أمراض</a:t>
+              </a:r>
+              <a:endParaRPr sz="1900" dirty="0">
                 <a:solidFill>
                   <a:schemeClr val="lt1"/>
                 </a:solidFill>
@@ -37984,7 +38029,7 @@
                 <a:buNone/>
               </a:pPr>
               <a:r>
-                <a:rPr lang="en-US" sz="1900">
+                <a:rPr lang="en-US" sz="1900" dirty="0">
                   <a:solidFill>
                     <a:schemeClr val="lt1"/>
                   </a:solidFill>
@@ -37996,9 +38041,24 @@
                   <a:cs typeface="El Messiri"/>
                   <a:sym typeface="El Messiri"/>
                 </a:rPr>
-                <a:t>51 أعراض</a:t>
+                <a:t>51 </a:t>
               </a:r>
-              <a:endParaRPr sz="1900">
+              <a:r>
+                <a:rPr lang="en-US" sz="1900" dirty="0" err="1">
+                  <a:solidFill>
+                    <a:schemeClr val="lt1"/>
+                  </a:solidFill>
+                  <a:highlight>
+                    <a:schemeClr val="accent2"/>
+                  </a:highlight>
+                  <a:latin typeface="El Messiri"/>
+                  <a:ea typeface="El Messiri"/>
+                  <a:cs typeface="El Messiri"/>
+                  <a:sym typeface="El Messiri"/>
+                </a:rPr>
+                <a:t>أعراض</a:t>
+              </a:r>
+              <a:endParaRPr sz="1900" dirty="0">
                 <a:solidFill>
                   <a:schemeClr val="lt1"/>
                 </a:solidFill>
@@ -38024,7 +38084,7 @@
                 </a:spcAft>
                 <a:buNone/>
               </a:pPr>
-              <a:endParaRPr sz="1900">
+              <a:endParaRPr sz="1900" dirty="0">
                 <a:solidFill>
                   <a:schemeClr val="accent4"/>
                 </a:solidFill>
@@ -38333,7 +38393,7 @@
                 <a:buNone/>
               </a:pPr>
               <a:r>
-                <a:rPr lang="en-US" sz="1900">
+                <a:rPr lang="en-US" sz="1900" dirty="0">
                   <a:solidFill>
                     <a:schemeClr val="lt1"/>
                   </a:solidFill>
@@ -38345,9 +38405,24 @@
                   <a:cs typeface="El Messiri"/>
                   <a:sym typeface="El Messiri"/>
                 </a:rPr>
-                <a:t>15 أمراض</a:t>
+                <a:t>15 </a:t>
               </a:r>
-              <a:endParaRPr sz="1900">
+              <a:r>
+                <a:rPr lang="en-US" sz="1900" dirty="0" err="1">
+                  <a:solidFill>
+                    <a:schemeClr val="lt1"/>
+                  </a:solidFill>
+                  <a:highlight>
+                    <a:schemeClr val="accent2"/>
+                  </a:highlight>
+                  <a:latin typeface="El Messiri"/>
+                  <a:ea typeface="El Messiri"/>
+                  <a:cs typeface="El Messiri"/>
+                  <a:sym typeface="El Messiri"/>
+                </a:rPr>
+                <a:t>أمراض</a:t>
+              </a:r>
+              <a:endParaRPr sz="1900" dirty="0">
                 <a:solidFill>
                   <a:schemeClr val="lt1"/>
                 </a:solidFill>
@@ -38374,7 +38449,7 @@
                 <a:buNone/>
               </a:pPr>
               <a:r>
-                <a:rPr lang="en-US" sz="1900">
+                <a:rPr lang="en-US" sz="1900" dirty="0">
                   <a:solidFill>
                     <a:schemeClr val="lt1"/>
                   </a:solidFill>
@@ -38386,9 +38461,24 @@
                   <a:cs typeface="El Messiri"/>
                   <a:sym typeface="El Messiri"/>
                 </a:rPr>
-                <a:t>78 أعراض</a:t>
+                <a:t>78 </a:t>
               </a:r>
-              <a:endParaRPr sz="1900">
+              <a:r>
+                <a:rPr lang="en-US" sz="1900" dirty="0" err="1">
+                  <a:solidFill>
+                    <a:schemeClr val="lt1"/>
+                  </a:solidFill>
+                  <a:highlight>
+                    <a:schemeClr val="accent2"/>
+                  </a:highlight>
+                  <a:latin typeface="El Messiri"/>
+                  <a:ea typeface="El Messiri"/>
+                  <a:cs typeface="El Messiri"/>
+                  <a:sym typeface="El Messiri"/>
+                </a:rPr>
+                <a:t>أعراض</a:t>
+              </a:r>
+              <a:endParaRPr sz="1900" dirty="0">
                 <a:solidFill>
                   <a:schemeClr val="accent4"/>
                 </a:solidFill>
@@ -38511,7 +38601,7 @@
                 <a:buNone/>
               </a:pPr>
               <a:r>
-                <a:rPr lang="en-US" sz="1900">
+                <a:rPr lang="en-US" sz="1900" dirty="0">
                   <a:solidFill>
                     <a:schemeClr val="lt1"/>
                   </a:solidFill>
@@ -38523,9 +38613,24 @@
                   <a:cs typeface="El Messiri"/>
                   <a:sym typeface="El Messiri"/>
                 </a:rPr>
-                <a:t>14 أمراض</a:t>
+                <a:t>14 </a:t>
               </a:r>
-              <a:endParaRPr sz="1900">
+              <a:r>
+                <a:rPr lang="en-US" sz="1900" dirty="0" err="1">
+                  <a:solidFill>
+                    <a:schemeClr val="lt1"/>
+                  </a:solidFill>
+                  <a:highlight>
+                    <a:schemeClr val="accent2"/>
+                  </a:highlight>
+                  <a:latin typeface="El Messiri"/>
+                  <a:ea typeface="El Messiri"/>
+                  <a:cs typeface="El Messiri"/>
+                  <a:sym typeface="El Messiri"/>
+                </a:rPr>
+                <a:t>أمراض</a:t>
+              </a:r>
+              <a:endParaRPr sz="1900" dirty="0">
                 <a:solidFill>
                   <a:schemeClr val="lt1"/>
                 </a:solidFill>
@@ -38552,7 +38657,7 @@
                 <a:buNone/>
               </a:pPr>
               <a:r>
-                <a:rPr lang="en-US" sz="1900">
+                <a:rPr lang="en-US" sz="1900" dirty="0">
                   <a:solidFill>
                     <a:schemeClr val="lt1"/>
                   </a:solidFill>
@@ -38564,9 +38669,24 @@
                   <a:cs typeface="El Messiri"/>
                   <a:sym typeface="El Messiri"/>
                 </a:rPr>
-                <a:t>62 أعراض</a:t>
+                <a:t>62 </a:t>
               </a:r>
-              <a:endParaRPr sz="1900">
+              <a:r>
+                <a:rPr lang="en-US" sz="1900" dirty="0" err="1">
+                  <a:solidFill>
+                    <a:schemeClr val="lt1"/>
+                  </a:solidFill>
+                  <a:highlight>
+                    <a:schemeClr val="accent2"/>
+                  </a:highlight>
+                  <a:latin typeface="El Messiri"/>
+                  <a:ea typeface="El Messiri"/>
+                  <a:cs typeface="El Messiri"/>
+                  <a:sym typeface="El Messiri"/>
+                </a:rPr>
+                <a:t>أعراض</a:t>
+              </a:r>
+              <a:endParaRPr sz="1900" dirty="0">
                 <a:solidFill>
                   <a:schemeClr val="accent4"/>
                 </a:solidFill>
@@ -39113,6 +39233,41 @@
                                   </p:childTnLst>
                                 </p:cTn>
                               </p:par>
+                              <p:par>
+                                <p:cTn id="50" presetID="10" presetClass="entr" presetSubtype="0" fill="hold" nodeType="withEffect">
+                                  <p:stCondLst>
+                                    <p:cond delay="0"/>
+                                  </p:stCondLst>
+                                  <p:childTnLst>
+                                    <p:set>
+                                      <p:cBhvr>
+                                        <p:cTn id="51" dur="1" fill="hold">
+                                          <p:stCondLst>
+                                            <p:cond delay="0"/>
+                                          </p:stCondLst>
+                                        </p:cTn>
+                                        <p:tgtEl>
+                                          <p:spTgt spid="245"/>
+                                        </p:tgtEl>
+                                        <p:attrNameLst>
+                                          <p:attrName>style.visibility</p:attrName>
+                                        </p:attrNameLst>
+                                      </p:cBhvr>
+                                      <p:to>
+                                        <p:strVal val="visible"/>
+                                      </p:to>
+                                    </p:set>
+                                    <p:animEffect transition="in" filter="fade">
+                                      <p:cBhvr>
+                                        <p:cTn id="52" dur="1000"/>
+                                        <p:tgtEl>
+                                          <p:spTgt spid="245"/>
+                                        </p:tgtEl>
+                                      </p:cBhvr>
+                                    </p:animEffect>
+                                  </p:childTnLst>
+                                </p:cTn>
+                              </p:par>
                             </p:childTnLst>
                           </p:cTn>
                         </p:par>
@@ -39120,26 +39275,26 @@
                     </p:cTn>
                   </p:par>
                   <p:par>
-                    <p:cTn id="50" fill="hold">
+                    <p:cTn id="53" fill="hold">
                       <p:stCondLst>
                         <p:cond delay="indefinite"/>
                       </p:stCondLst>
                       <p:childTnLst>
                         <p:par>
-                          <p:cTn id="51" fill="hold">
+                          <p:cTn id="54" fill="hold">
                             <p:stCondLst>
                               <p:cond delay="0"/>
                             </p:stCondLst>
                             <p:childTnLst>
                               <p:par>
-                                <p:cTn id="52" presetID="10" presetClass="entr" presetSubtype="0" fill="hold" nodeType="clickEffect">
+                                <p:cTn id="55" presetID="10" presetClass="entr" presetSubtype="0" fill="hold" nodeType="clickEffect">
                                   <p:stCondLst>
                                     <p:cond delay="0"/>
                                   </p:stCondLst>
                                   <p:childTnLst>
                                     <p:set>
                                       <p:cBhvr>
-                                        <p:cTn id="53" dur="1" fill="hold">
+                                        <p:cTn id="56" dur="1" fill="hold">
                                           <p:stCondLst>
                                             <p:cond delay="0"/>
                                           </p:stCondLst>
@@ -39157,44 +39312,9 @@
                                     </p:set>
                                     <p:animEffect transition="in" filter="fade">
                                       <p:cBhvr>
-                                        <p:cTn id="54" dur="1000"/>
+                                        <p:cTn id="57" dur="1000"/>
                                         <p:tgtEl>
                                           <p:spTgt spid="171"/>
-                                        </p:tgtEl>
-                                      </p:cBhvr>
-                                    </p:animEffect>
-                                  </p:childTnLst>
-                                </p:cTn>
-                              </p:par>
-                              <p:par>
-                                <p:cTn id="55" presetID="10" presetClass="entr" presetSubtype="0" fill="hold" nodeType="withEffect">
-                                  <p:stCondLst>
-                                    <p:cond delay="0"/>
-                                  </p:stCondLst>
-                                  <p:childTnLst>
-                                    <p:set>
-                                      <p:cBhvr>
-                                        <p:cTn id="56" dur="1" fill="hold">
-                                          <p:stCondLst>
-                                            <p:cond delay="0"/>
-                                          </p:stCondLst>
-                                        </p:cTn>
-                                        <p:tgtEl>
-                                          <p:spTgt spid="178"/>
-                                        </p:tgtEl>
-                                        <p:attrNameLst>
-                                          <p:attrName>style.visibility</p:attrName>
-                                        </p:attrNameLst>
-                                      </p:cBhvr>
-                                      <p:to>
-                                        <p:strVal val="visible"/>
-                                      </p:to>
-                                    </p:set>
-                                    <p:animEffect transition="in" filter="fade">
-                                      <p:cBhvr>
-                                        <p:cTn id="57" dur="1000"/>
-                                        <p:tgtEl>
-                                          <p:spTgt spid="178"/>
                                         </p:tgtEl>
                                       </p:cBhvr>
                                     </p:animEffect>
@@ -39215,7 +39335,7 @@
                                           </p:stCondLst>
                                         </p:cTn>
                                         <p:tgtEl>
-                                          <p:spTgt spid="194"/>
+                                          <p:spTgt spid="178"/>
                                         </p:tgtEl>
                                         <p:attrNameLst>
                                           <p:attrName>style.visibility</p:attrName>
@@ -39229,7 +39349,7 @@
                                       <p:cBhvr>
                                         <p:cTn id="60" dur="1000"/>
                                         <p:tgtEl>
-                                          <p:spTgt spid="194"/>
+                                          <p:spTgt spid="178"/>
                                         </p:tgtEl>
                                       </p:cBhvr>
                                     </p:animEffect>
@@ -39250,6 +39370,76 @@
                                           </p:stCondLst>
                                         </p:cTn>
                                         <p:tgtEl>
+                                          <p:spTgt spid="194"/>
+                                        </p:tgtEl>
+                                        <p:attrNameLst>
+                                          <p:attrName>style.visibility</p:attrName>
+                                        </p:attrNameLst>
+                                      </p:cBhvr>
+                                      <p:to>
+                                        <p:strVal val="visible"/>
+                                      </p:to>
+                                    </p:set>
+                                    <p:animEffect transition="in" filter="fade">
+                                      <p:cBhvr>
+                                        <p:cTn id="63" dur="1000"/>
+                                        <p:tgtEl>
+                                          <p:spTgt spid="194"/>
+                                        </p:tgtEl>
+                                      </p:cBhvr>
+                                    </p:animEffect>
+                                  </p:childTnLst>
+                                </p:cTn>
+                              </p:par>
+                              <p:par>
+                                <p:cTn id="64" presetID="10" presetClass="entr" presetSubtype="0" fill="hold" nodeType="withEffect">
+                                  <p:stCondLst>
+                                    <p:cond delay="0"/>
+                                  </p:stCondLst>
+                                  <p:childTnLst>
+                                    <p:set>
+                                      <p:cBhvr>
+                                        <p:cTn id="65" dur="1" fill="hold">
+                                          <p:stCondLst>
+                                            <p:cond delay="0"/>
+                                          </p:stCondLst>
+                                        </p:cTn>
+                                        <p:tgtEl>
+                                          <p:spTgt spid="242"/>
+                                        </p:tgtEl>
+                                        <p:attrNameLst>
+                                          <p:attrName>style.visibility</p:attrName>
+                                        </p:attrNameLst>
+                                      </p:cBhvr>
+                                      <p:to>
+                                        <p:strVal val="visible"/>
+                                      </p:to>
+                                    </p:set>
+                                    <p:animEffect transition="in" filter="fade">
+                                      <p:cBhvr>
+                                        <p:cTn id="66" dur="1000"/>
+                                        <p:tgtEl>
+                                          <p:spTgt spid="242"/>
+                                        </p:tgtEl>
+                                      </p:cBhvr>
+                                    </p:animEffect>
+                                  </p:childTnLst>
+                                </p:cTn>
+                              </p:par>
+                              <p:par>
+                                <p:cTn id="67" presetID="10" presetClass="entr" presetSubtype="0" fill="hold" nodeType="withEffect">
+                                  <p:stCondLst>
+                                    <p:cond delay="0"/>
+                                  </p:stCondLst>
+                                  <p:childTnLst>
+                                    <p:set>
+                                      <p:cBhvr>
+                                        <p:cTn id="68" dur="1" fill="hold">
+                                          <p:stCondLst>
+                                            <p:cond delay="0"/>
+                                          </p:stCondLst>
+                                        </p:cTn>
+                                        <p:tgtEl>
                                           <p:spTgt spid="222"/>
                                         </p:tgtEl>
                                         <p:attrNameLst>
@@ -39262,7 +39452,7 @@
                                     </p:set>
                                     <p:animEffect transition="in" filter="fade">
                                       <p:cBhvr>
-                                        <p:cTn id="63" dur="1000"/>
+                                        <p:cTn id="69" dur="1000"/>
                                         <p:tgtEl>
                                           <p:spTgt spid="222"/>
                                         </p:tgtEl>
